--- a/Lecture_1/images/pinhole_projection_multiple.pptx
+++ b/Lecture_1/images/pinhole_projection_multiple.pptx
@@ -7,7 +7,7 @@
   <p:sldIdLst>
     <p:sldId id="256" r:id="rId2"/>
   </p:sldIdLst>
-  <p:sldSz cx="7991475" cy="5403850"/>
+  <p:sldSz cx="7991475" cy="6300788"/>
   <p:notesSz cx="6858000" cy="9144000"/>
   <p:defaultTextStyle>
     <a:defPPr>
@@ -104,6 +104,22 @@
       </a:defRPr>
     </a:lvl9pPr>
   </p:defaultTextStyle>
+  <p:extLst>
+    <p:ext uri="{EFAFB233-063F-42B5-8137-9DF3F51BA10A}">
+      <p15:sldGuideLst xmlns:p15="http://schemas.microsoft.com/office/powerpoint/2012/main">
+        <p15:guide id="1" orient="horz" pos="1985" userDrawn="1">
+          <p15:clr>
+            <a:srgbClr val="A4A3A4"/>
+          </p15:clr>
+        </p15:guide>
+        <p15:guide id="2" pos="2518" userDrawn="1">
+          <p15:clr>
+            <a:srgbClr val="A4A3A4"/>
+          </p15:clr>
+        </p15:guide>
+      </p15:sldGuideLst>
+    </p:ext>
+  </p:extLst>
 </p:presentation>
 </file>
 
@@ -136,8 +152,8 @@
         </p:nvSpPr>
         <p:spPr>
           <a:xfrm>
-            <a:off x="599363" y="1678701"/>
-            <a:ext cx="6792754" cy="1158325"/>
+            <a:off x="599363" y="1957335"/>
+            <a:ext cx="6792754" cy="1350585"/>
           </a:xfrm>
         </p:spPr>
         <p:txBody>
@@ -164,8 +180,8 @@
         </p:nvSpPr>
         <p:spPr>
           <a:xfrm>
-            <a:off x="1198724" y="3062182"/>
-            <a:ext cx="5594033" cy="1380984"/>
+            <a:off x="1198724" y="3570447"/>
+            <a:ext cx="5594033" cy="1610202"/>
           </a:xfrm>
         </p:spPr>
         <p:txBody>
@@ -288,7 +304,7 @@
           <a:p>
             <a:fld id="{7F37A421-E2BE-A744-A1A0-937201EFD21E}" type="datetimeFigureOut">
               <a:rPr lang="en-US" smtClean="0"/>
-              <a:t>05/02/18</a:t>
+              <a:t>2/19/18</a:t>
             </a:fld>
             <a:endParaRPr lang="en-US"/>
           </a:p>
@@ -458,7 +474,7 @@
           <a:p>
             <a:fld id="{7F37A421-E2BE-A744-A1A0-937201EFD21E}" type="datetimeFigureOut">
               <a:rPr lang="en-US" smtClean="0"/>
-              <a:t>05/02/18</a:t>
+              <a:t>2/19/18</a:t>
             </a:fld>
             <a:endParaRPr lang="en-US"/>
           </a:p>
@@ -548,8 +564,8 @@
         </p:nvSpPr>
         <p:spPr>
           <a:xfrm>
-            <a:off x="5064043" y="170125"/>
-            <a:ext cx="1570547" cy="3633839"/>
+            <a:off x="5064044" y="198363"/>
+            <a:ext cx="1570547" cy="4236988"/>
           </a:xfrm>
         </p:spPr>
         <p:txBody>
@@ -576,8 +592,8 @@
         </p:nvSpPr>
         <p:spPr>
           <a:xfrm>
-            <a:off x="349627" y="170125"/>
-            <a:ext cx="4581224" cy="3633839"/>
+            <a:off x="349627" y="198363"/>
+            <a:ext cx="4581224" cy="4236988"/>
           </a:xfrm>
         </p:spPr>
         <p:txBody>
@@ -638,7 +654,7 @@
           <a:p>
             <a:fld id="{7F37A421-E2BE-A744-A1A0-937201EFD21E}" type="datetimeFigureOut">
               <a:rPr lang="en-US" smtClean="0"/>
-              <a:t>05/02/18</a:t>
+              <a:t>2/19/18</a:t>
             </a:fld>
             <a:endParaRPr lang="en-US"/>
           </a:p>
@@ -808,7 +824,7 @@
           <a:p>
             <a:fld id="{7F37A421-E2BE-A744-A1A0-937201EFD21E}" type="datetimeFigureOut">
               <a:rPr lang="en-US" smtClean="0"/>
-              <a:t>05/02/18</a:t>
+              <a:t>2/19/18</a:t>
             </a:fld>
             <a:endParaRPr lang="en-US"/>
           </a:p>
@@ -898,8 +914,8 @@
         </p:nvSpPr>
         <p:spPr>
           <a:xfrm>
-            <a:off x="631271" y="3472476"/>
-            <a:ext cx="6792754" cy="1073265"/>
+            <a:off x="631271" y="4048843"/>
+            <a:ext cx="6792754" cy="1251407"/>
           </a:xfrm>
         </p:spPr>
         <p:txBody>
@@ -930,8 +946,8 @@
         </p:nvSpPr>
         <p:spPr>
           <a:xfrm>
-            <a:off x="631271" y="2290383"/>
-            <a:ext cx="6792754" cy="1182092"/>
+            <a:off x="631271" y="2670544"/>
+            <a:ext cx="6792754" cy="1378297"/>
           </a:xfrm>
         </p:spPr>
         <p:txBody>
@@ -1054,7 +1070,7 @@
           <a:p>
             <a:fld id="{7F37A421-E2BE-A744-A1A0-937201EFD21E}" type="datetimeFigureOut">
               <a:rPr lang="en-US" smtClean="0"/>
-              <a:t>05/02/18</a:t>
+              <a:t>2/19/18</a:t>
             </a:fld>
             <a:endParaRPr lang="en-US"/>
           </a:p>
@@ -1167,8 +1183,8 @@
         </p:nvSpPr>
         <p:spPr>
           <a:xfrm>
-            <a:off x="349628" y="993212"/>
-            <a:ext cx="3075886" cy="2810753"/>
+            <a:off x="349628" y="1158067"/>
+            <a:ext cx="3075886" cy="3277285"/>
           </a:xfrm>
         </p:spPr>
         <p:txBody>
@@ -1252,8 +1268,8 @@
         </p:nvSpPr>
         <p:spPr>
           <a:xfrm>
-            <a:off x="3558706" y="993212"/>
-            <a:ext cx="3075885" cy="2810753"/>
+            <a:off x="3558707" y="1158067"/>
+            <a:ext cx="3075885" cy="3277285"/>
           </a:xfrm>
         </p:spPr>
         <p:txBody>
@@ -1342,7 +1358,7 @@
           <a:p>
             <a:fld id="{7F37A421-E2BE-A744-A1A0-937201EFD21E}" type="datetimeFigureOut">
               <a:rPr lang="en-US" smtClean="0"/>
-              <a:t>05/02/18</a:t>
+              <a:t>2/19/18</a:t>
             </a:fld>
             <a:endParaRPr lang="en-US"/>
           </a:p>
@@ -1432,8 +1448,8 @@
         </p:nvSpPr>
         <p:spPr>
           <a:xfrm>
-            <a:off x="399576" y="216404"/>
-            <a:ext cx="7192328" cy="900642"/>
+            <a:off x="399576" y="252323"/>
+            <a:ext cx="7192328" cy="1050132"/>
           </a:xfrm>
         </p:spPr>
         <p:txBody>
@@ -1464,8 +1480,8 @@
         </p:nvSpPr>
         <p:spPr>
           <a:xfrm>
-            <a:off x="399575" y="1209616"/>
-            <a:ext cx="3530956" cy="504109"/>
+            <a:off x="399575" y="1410390"/>
+            <a:ext cx="3530956" cy="587782"/>
           </a:xfrm>
         </p:spPr>
         <p:txBody>
@@ -1529,8 +1545,8 @@
         </p:nvSpPr>
         <p:spPr>
           <a:xfrm>
-            <a:off x="399575" y="1713725"/>
-            <a:ext cx="3530956" cy="3113469"/>
+            <a:off x="399575" y="1998172"/>
+            <a:ext cx="3530956" cy="3630247"/>
           </a:xfrm>
         </p:spPr>
         <p:txBody>
@@ -1614,8 +1630,8 @@
         </p:nvSpPr>
         <p:spPr>
           <a:xfrm>
-            <a:off x="4059561" y="1209616"/>
-            <a:ext cx="3532343" cy="504109"/>
+            <a:off x="4059562" y="1410390"/>
+            <a:ext cx="3532343" cy="587782"/>
           </a:xfrm>
         </p:spPr>
         <p:txBody>
@@ -1679,8 +1695,8 @@
         </p:nvSpPr>
         <p:spPr>
           <a:xfrm>
-            <a:off x="4059561" y="1713725"/>
-            <a:ext cx="3532343" cy="3113469"/>
+            <a:off x="4059562" y="1998172"/>
+            <a:ext cx="3532343" cy="3630247"/>
           </a:xfrm>
         </p:spPr>
         <p:txBody>
@@ -1769,7 +1785,7 @@
           <a:p>
             <a:fld id="{7F37A421-E2BE-A744-A1A0-937201EFD21E}" type="datetimeFigureOut">
               <a:rPr lang="en-US" smtClean="0"/>
-              <a:t>05/02/18</a:t>
+              <a:t>2/19/18</a:t>
             </a:fld>
             <a:endParaRPr lang="en-US"/>
           </a:p>
@@ -1887,7 +1903,7 @@
           <a:p>
             <a:fld id="{7F37A421-E2BE-A744-A1A0-937201EFD21E}" type="datetimeFigureOut">
               <a:rPr lang="en-US" smtClean="0"/>
-              <a:t>05/02/18</a:t>
+              <a:t>2/19/18</a:t>
             </a:fld>
             <a:endParaRPr lang="en-US"/>
           </a:p>
@@ -1982,7 +1998,7 @@
           <a:p>
             <a:fld id="{7F37A421-E2BE-A744-A1A0-937201EFD21E}" type="datetimeFigureOut">
               <a:rPr lang="en-US" smtClean="0"/>
-              <a:t>05/02/18</a:t>
+              <a:t>2/19/18</a:t>
             </a:fld>
             <a:endParaRPr lang="en-US"/>
           </a:p>
@@ -2072,8 +2088,8 @@
         </p:nvSpPr>
         <p:spPr>
           <a:xfrm>
-            <a:off x="399577" y="215153"/>
-            <a:ext cx="2629140" cy="915652"/>
+            <a:off x="399577" y="250864"/>
+            <a:ext cx="2629140" cy="1067633"/>
           </a:xfrm>
         </p:spPr>
         <p:txBody>
@@ -2104,8 +2120,8 @@
         </p:nvSpPr>
         <p:spPr>
           <a:xfrm>
-            <a:off x="3124444" y="215155"/>
-            <a:ext cx="4467458" cy="4612036"/>
+            <a:off x="3124444" y="250867"/>
+            <a:ext cx="4467458" cy="5377548"/>
           </a:xfrm>
         </p:spPr>
         <p:txBody>
@@ -2189,8 +2205,8 @@
         </p:nvSpPr>
         <p:spPr>
           <a:xfrm>
-            <a:off x="399577" y="1130807"/>
-            <a:ext cx="2629140" cy="3696384"/>
+            <a:off x="399577" y="1318500"/>
+            <a:ext cx="2629140" cy="4309915"/>
           </a:xfrm>
         </p:spPr>
         <p:txBody>
@@ -2259,7 +2275,7 @@
           <a:p>
             <a:fld id="{7F37A421-E2BE-A744-A1A0-937201EFD21E}" type="datetimeFigureOut">
               <a:rPr lang="en-US" smtClean="0"/>
-              <a:t>05/02/18</a:t>
+              <a:t>2/19/18</a:t>
             </a:fld>
             <a:endParaRPr lang="en-US"/>
           </a:p>
@@ -2349,8 +2365,8 @@
         </p:nvSpPr>
         <p:spPr>
           <a:xfrm>
-            <a:off x="1566385" y="3782698"/>
-            <a:ext cx="4794885" cy="446569"/>
+            <a:off x="1566386" y="4410556"/>
+            <a:ext cx="4794885" cy="520691"/>
           </a:xfrm>
         </p:spPr>
         <p:txBody>
@@ -2381,8 +2397,8 @@
         </p:nvSpPr>
         <p:spPr>
           <a:xfrm>
-            <a:off x="1566385" y="482844"/>
-            <a:ext cx="4794885" cy="3242310"/>
+            <a:off x="1566386" y="562987"/>
+            <a:ext cx="4794885" cy="3780473"/>
           </a:xfrm>
         </p:spPr>
         <p:txBody>
@@ -2442,8 +2458,8 @@
         </p:nvSpPr>
         <p:spPr>
           <a:xfrm>
-            <a:off x="1566385" y="4229267"/>
-            <a:ext cx="4794885" cy="634201"/>
+            <a:off x="1566386" y="4931247"/>
+            <a:ext cx="4794885" cy="739467"/>
           </a:xfrm>
         </p:spPr>
         <p:txBody>
@@ -2512,7 +2528,7 @@
           <a:p>
             <a:fld id="{7F37A421-E2BE-A744-A1A0-937201EFD21E}" type="datetimeFigureOut">
               <a:rPr lang="en-US" smtClean="0"/>
-              <a:t>05/02/18</a:t>
+              <a:t>2/19/18</a:t>
             </a:fld>
             <a:endParaRPr lang="en-US"/>
           </a:p>
@@ -2607,8 +2623,8 @@
         </p:nvSpPr>
         <p:spPr>
           <a:xfrm>
-            <a:off x="399576" y="216404"/>
-            <a:ext cx="7192328" cy="900642"/>
+            <a:off x="399576" y="252323"/>
+            <a:ext cx="7192328" cy="1050132"/>
           </a:xfrm>
           <a:prstGeom prst="rect">
             <a:avLst/>
@@ -2640,8 +2656,8 @@
         </p:nvSpPr>
         <p:spPr>
           <a:xfrm>
-            <a:off x="399576" y="1260902"/>
-            <a:ext cx="7192328" cy="3566292"/>
+            <a:off x="399576" y="1470188"/>
+            <a:ext cx="7192328" cy="4158230"/>
           </a:xfrm>
           <a:prstGeom prst="rect">
             <a:avLst/>
@@ -2702,8 +2718,8 @@
         </p:nvSpPr>
         <p:spPr>
           <a:xfrm>
-            <a:off x="399574" y="5008573"/>
-            <a:ext cx="1864677" cy="287705"/>
+            <a:off x="399575" y="5839903"/>
+            <a:ext cx="1864677" cy="335459"/>
           </a:xfrm>
           <a:prstGeom prst="rect">
             <a:avLst/>
@@ -2725,7 +2741,7 @@
           <a:p>
             <a:fld id="{7F37A421-E2BE-A744-A1A0-937201EFD21E}" type="datetimeFigureOut">
               <a:rPr lang="en-US" smtClean="0"/>
-              <a:t>05/02/18</a:t>
+              <a:t>2/19/18</a:t>
             </a:fld>
             <a:endParaRPr lang="en-US"/>
           </a:p>
@@ -2743,8 +2759,8 @@
         </p:nvSpPr>
         <p:spPr>
           <a:xfrm>
-            <a:off x="2730420" y="5008573"/>
-            <a:ext cx="2530635" cy="287705"/>
+            <a:off x="2730421" y="5839903"/>
+            <a:ext cx="2530635" cy="335459"/>
           </a:xfrm>
           <a:prstGeom prst="rect">
             <a:avLst/>
@@ -2780,8 +2796,8 @@
         </p:nvSpPr>
         <p:spPr>
           <a:xfrm>
-            <a:off x="5727226" y="5008573"/>
-            <a:ext cx="1864677" cy="287705"/>
+            <a:off x="5727227" y="5839903"/>
+            <a:ext cx="1864677" cy="335459"/>
           </a:xfrm>
           <a:prstGeom prst="rect">
             <a:avLst/>
@@ -3102,36 +3118,478 @@
       </p:grpSpPr>
       <p:grpSp>
         <p:nvGrpSpPr>
-          <p:cNvPr id="162" name="Group 161"/>
+          <p:cNvPr id="20" name="Group 19"/>
           <p:cNvGrpSpPr/>
           <p:nvPr/>
         </p:nvGrpSpPr>
         <p:grpSpPr>
           <a:xfrm>
-            <a:off x="200836" y="141373"/>
-            <a:ext cx="1287050" cy="3450504"/>
-            <a:chOff x="1115645" y="941810"/>
-            <a:chExt cx="1319537" cy="3640201"/>
+            <a:off x="-876224" y="57827"/>
+            <a:ext cx="8688519" cy="6174159"/>
+            <a:chOff x="-876224" y="257748"/>
+            <a:chExt cx="8688519" cy="6174159"/>
           </a:xfrm>
         </p:grpSpPr>
+        <p:sp>
+          <p:nvSpPr>
+            <p:cNvPr id="4" name="Rectangle 3"/>
+            <p:cNvSpPr/>
+            <p:nvPr/>
+          </p:nvSpPr>
+          <p:spPr>
+            <a:xfrm>
+              <a:off x="-876224" y="1124403"/>
+              <a:ext cx="3540919" cy="1732712"/>
+            </a:xfrm>
+            <a:prstGeom prst="rect">
+              <a:avLst/>
+            </a:prstGeom>
+            <a:gradFill flip="none" rotWithShape="1">
+              <a:gsLst>
+                <a:gs pos="58000">
+                  <a:srgbClr val="0083E5"/>
+                </a:gs>
+                <a:gs pos="44000">
+                  <a:srgbClr val="FF0000"/>
+                </a:gs>
+                <a:gs pos="24000">
+                  <a:srgbClr val="02E100"/>
+                </a:gs>
+              </a:gsLst>
+              <a:lin ang="11400000" scaled="0"/>
+              <a:tileRect/>
+            </a:gradFill>
+            <a:ln w="41275">
+              <a:solidFill>
+                <a:schemeClr val="tx1"/>
+              </a:solidFill>
+            </a:ln>
+            <a:effectLst/>
+            <a:scene3d>
+              <a:camera prst="orthographicFront">
+                <a:rot lat="1807718" lon="3154489" rev="18201509"/>
+              </a:camera>
+              <a:lightRig rig="threePt" dir="t"/>
+            </a:scene3d>
+          </p:spPr>
+          <p:style>
+            <a:lnRef idx="1">
+              <a:schemeClr val="accent1"/>
+            </a:lnRef>
+            <a:fillRef idx="3">
+              <a:schemeClr val="accent1"/>
+            </a:fillRef>
+            <a:effectRef idx="2">
+              <a:schemeClr val="accent1"/>
+            </a:effectRef>
+            <a:fontRef idx="minor">
+              <a:schemeClr val="lt1"/>
+            </a:fontRef>
+          </p:style>
+          <p:txBody>
+            <a:bodyPr rot="0" spcFirstLastPara="0" vertOverflow="overflow" horzOverflow="overflow" vert="horz" wrap="square" lIns="91440" tIns="45720" rIns="91440" bIns="45720" numCol="1" spcCol="0" rtlCol="0" fromWordArt="0" anchor="ctr" anchorCtr="0" forceAA="0" compatLnSpc="1">
+              <a:prstTxWarp prst="textNoShape">
+                <a:avLst/>
+              </a:prstTxWarp>
+              <a:noAutofit/>
+            </a:bodyPr>
+            <a:lstStyle/>
+            <a:p>
+              <a:pPr algn="ctr"/>
+              <a:endParaRPr lang="en-US"/>
+            </a:p>
+          </p:txBody>
+        </p:sp>
+        <p:grpSp>
+          <p:nvGrpSpPr>
+            <p:cNvPr id="163" name="Group 162"/>
+            <p:cNvGrpSpPr/>
+            <p:nvPr/>
+          </p:nvGrpSpPr>
+          <p:grpSpPr>
+            <a:xfrm>
+              <a:off x="3345808" y="257748"/>
+              <a:ext cx="1287050" cy="3450504"/>
+              <a:chOff x="1115645" y="941810"/>
+              <a:chExt cx="1319537" cy="3640201"/>
+            </a:xfrm>
+          </p:grpSpPr>
+          <p:cxnSp>
+            <p:nvCxnSpPr>
+              <p:cNvPr id="189" name="Straight Connector 188"/>
+              <p:cNvCxnSpPr/>
+              <p:nvPr/>
+            </p:nvCxnSpPr>
+            <p:spPr>
+              <a:xfrm>
+                <a:off x="1115645" y="1819075"/>
+                <a:ext cx="0" cy="2762936"/>
+              </a:xfrm>
+              <a:prstGeom prst="line">
+                <a:avLst/>
+              </a:prstGeom>
+              <a:ln>
+                <a:solidFill>
+                  <a:schemeClr val="tx1"/>
+                </a:solidFill>
+              </a:ln>
+              <a:effectLst/>
+            </p:spPr>
+            <p:style>
+              <a:lnRef idx="2">
+                <a:schemeClr val="accent1"/>
+              </a:lnRef>
+              <a:fillRef idx="0">
+                <a:schemeClr val="accent1"/>
+              </a:fillRef>
+              <a:effectRef idx="1">
+                <a:schemeClr val="accent1"/>
+              </a:effectRef>
+              <a:fontRef idx="minor">
+                <a:schemeClr val="tx1"/>
+              </a:fontRef>
+            </p:style>
+          </p:cxnSp>
+          <p:cxnSp>
+            <p:nvCxnSpPr>
+              <p:cNvPr id="190" name="Straight Connector 189"/>
+              <p:cNvCxnSpPr/>
+              <p:nvPr/>
+            </p:nvCxnSpPr>
+            <p:spPr>
+              <a:xfrm>
+                <a:off x="2435182" y="941810"/>
+                <a:ext cx="0" cy="2762936"/>
+              </a:xfrm>
+              <a:prstGeom prst="line">
+                <a:avLst/>
+              </a:prstGeom>
+              <a:ln>
+                <a:solidFill>
+                  <a:schemeClr val="tx1"/>
+                </a:solidFill>
+              </a:ln>
+              <a:effectLst/>
+            </p:spPr>
+            <p:style>
+              <a:lnRef idx="2">
+                <a:schemeClr val="accent1"/>
+              </a:lnRef>
+              <a:fillRef idx="0">
+                <a:schemeClr val="accent1"/>
+              </a:fillRef>
+              <a:effectRef idx="1">
+                <a:schemeClr val="accent1"/>
+              </a:effectRef>
+              <a:fontRef idx="minor">
+                <a:schemeClr val="tx1"/>
+              </a:fontRef>
+            </p:style>
+          </p:cxnSp>
+          <p:cxnSp>
+            <p:nvCxnSpPr>
+              <p:cNvPr id="191" name="Straight Connector 190"/>
+              <p:cNvCxnSpPr/>
+              <p:nvPr/>
+            </p:nvCxnSpPr>
+            <p:spPr>
+              <a:xfrm flipV="1">
+                <a:off x="1115645" y="941810"/>
+                <a:ext cx="1319537" cy="877265"/>
+              </a:xfrm>
+              <a:prstGeom prst="line">
+                <a:avLst/>
+              </a:prstGeom>
+              <a:ln>
+                <a:solidFill>
+                  <a:schemeClr val="tx1"/>
+                </a:solidFill>
+              </a:ln>
+              <a:effectLst/>
+            </p:spPr>
+            <p:style>
+              <a:lnRef idx="2">
+                <a:schemeClr val="accent1"/>
+              </a:lnRef>
+              <a:fillRef idx="0">
+                <a:schemeClr val="accent1"/>
+              </a:fillRef>
+              <a:effectRef idx="1">
+                <a:schemeClr val="accent1"/>
+              </a:effectRef>
+              <a:fontRef idx="minor">
+                <a:schemeClr val="tx1"/>
+              </a:fontRef>
+            </p:style>
+          </p:cxnSp>
+          <p:cxnSp>
+            <p:nvCxnSpPr>
+              <p:cNvPr id="192" name="Straight Connector 191"/>
+              <p:cNvCxnSpPr/>
+              <p:nvPr/>
+            </p:nvCxnSpPr>
+            <p:spPr>
+              <a:xfrm flipV="1">
+                <a:off x="1115645" y="3704746"/>
+                <a:ext cx="1319537" cy="877265"/>
+              </a:xfrm>
+              <a:prstGeom prst="line">
+                <a:avLst/>
+              </a:prstGeom>
+              <a:ln>
+                <a:solidFill>
+                  <a:schemeClr val="tx1"/>
+                </a:solidFill>
+              </a:ln>
+              <a:effectLst/>
+            </p:spPr>
+            <p:style>
+              <a:lnRef idx="2">
+                <a:schemeClr val="accent1"/>
+              </a:lnRef>
+              <a:fillRef idx="0">
+                <a:schemeClr val="accent1"/>
+              </a:fillRef>
+              <a:effectRef idx="1">
+                <a:schemeClr val="accent1"/>
+              </a:effectRef>
+              <a:fontRef idx="minor">
+                <a:schemeClr val="tx1"/>
+              </a:fontRef>
+            </p:style>
+          </p:cxnSp>
+        </p:grpSp>
+        <p:grpSp>
+          <p:nvGrpSpPr>
+            <p:cNvPr id="164" name="Group 163"/>
+            <p:cNvGrpSpPr/>
+            <p:nvPr/>
+          </p:nvGrpSpPr>
+          <p:grpSpPr>
+            <a:xfrm>
+              <a:off x="6440907" y="257748"/>
+              <a:ext cx="1287050" cy="3450504"/>
+              <a:chOff x="1115645" y="941810"/>
+              <a:chExt cx="1319537" cy="3640201"/>
+            </a:xfrm>
+          </p:grpSpPr>
+          <p:cxnSp>
+            <p:nvCxnSpPr>
+              <p:cNvPr id="185" name="Straight Connector 184"/>
+              <p:cNvCxnSpPr/>
+              <p:nvPr/>
+            </p:nvCxnSpPr>
+            <p:spPr>
+              <a:xfrm>
+                <a:off x="1115645" y="1819075"/>
+                <a:ext cx="0" cy="2762936"/>
+              </a:xfrm>
+              <a:prstGeom prst="line">
+                <a:avLst/>
+              </a:prstGeom>
+              <a:ln>
+                <a:solidFill>
+                  <a:schemeClr val="tx1"/>
+                </a:solidFill>
+              </a:ln>
+              <a:effectLst/>
+            </p:spPr>
+            <p:style>
+              <a:lnRef idx="2">
+                <a:schemeClr val="accent1"/>
+              </a:lnRef>
+              <a:fillRef idx="0">
+                <a:schemeClr val="accent1"/>
+              </a:fillRef>
+              <a:effectRef idx="1">
+                <a:schemeClr val="accent1"/>
+              </a:effectRef>
+              <a:fontRef idx="minor">
+                <a:schemeClr val="tx1"/>
+              </a:fontRef>
+            </p:style>
+          </p:cxnSp>
+          <p:cxnSp>
+            <p:nvCxnSpPr>
+              <p:cNvPr id="186" name="Straight Connector 185"/>
+              <p:cNvCxnSpPr/>
+              <p:nvPr/>
+            </p:nvCxnSpPr>
+            <p:spPr>
+              <a:xfrm>
+                <a:off x="2435182" y="941810"/>
+                <a:ext cx="0" cy="2762936"/>
+              </a:xfrm>
+              <a:prstGeom prst="line">
+                <a:avLst/>
+              </a:prstGeom>
+              <a:ln>
+                <a:solidFill>
+                  <a:schemeClr val="tx1"/>
+                </a:solidFill>
+              </a:ln>
+              <a:effectLst/>
+            </p:spPr>
+            <p:style>
+              <a:lnRef idx="2">
+                <a:schemeClr val="accent1"/>
+              </a:lnRef>
+              <a:fillRef idx="0">
+                <a:schemeClr val="accent1"/>
+              </a:fillRef>
+              <a:effectRef idx="1">
+                <a:schemeClr val="accent1"/>
+              </a:effectRef>
+              <a:fontRef idx="minor">
+                <a:schemeClr val="tx1"/>
+              </a:fontRef>
+            </p:style>
+          </p:cxnSp>
+          <p:cxnSp>
+            <p:nvCxnSpPr>
+              <p:cNvPr id="187" name="Straight Connector 186"/>
+              <p:cNvCxnSpPr/>
+              <p:nvPr/>
+            </p:nvCxnSpPr>
+            <p:spPr>
+              <a:xfrm flipV="1">
+                <a:off x="1115645" y="941810"/>
+                <a:ext cx="1319537" cy="877265"/>
+              </a:xfrm>
+              <a:prstGeom prst="line">
+                <a:avLst/>
+              </a:prstGeom>
+              <a:ln>
+                <a:solidFill>
+                  <a:schemeClr val="tx1"/>
+                </a:solidFill>
+              </a:ln>
+              <a:effectLst/>
+            </p:spPr>
+            <p:style>
+              <a:lnRef idx="2">
+                <a:schemeClr val="accent1"/>
+              </a:lnRef>
+              <a:fillRef idx="0">
+                <a:schemeClr val="accent1"/>
+              </a:fillRef>
+              <a:effectRef idx="1">
+                <a:schemeClr val="accent1"/>
+              </a:effectRef>
+              <a:fontRef idx="minor">
+                <a:schemeClr val="tx1"/>
+              </a:fontRef>
+            </p:style>
+          </p:cxnSp>
+          <p:cxnSp>
+            <p:nvCxnSpPr>
+              <p:cNvPr id="188" name="Straight Connector 187"/>
+              <p:cNvCxnSpPr/>
+              <p:nvPr/>
+            </p:nvCxnSpPr>
+            <p:spPr>
+              <a:xfrm flipV="1">
+                <a:off x="1115645" y="3704746"/>
+                <a:ext cx="1319537" cy="877265"/>
+              </a:xfrm>
+              <a:prstGeom prst="line">
+                <a:avLst/>
+              </a:prstGeom>
+              <a:ln>
+                <a:solidFill>
+                  <a:schemeClr val="tx1"/>
+                </a:solidFill>
+              </a:ln>
+              <a:effectLst/>
+            </p:spPr>
+            <p:style>
+              <a:lnRef idx="2">
+                <a:schemeClr val="accent1"/>
+              </a:lnRef>
+              <a:fillRef idx="0">
+                <a:schemeClr val="accent1"/>
+              </a:fillRef>
+              <a:effectRef idx="1">
+                <a:schemeClr val="accent1"/>
+              </a:effectRef>
+              <a:fontRef idx="minor">
+                <a:schemeClr val="tx1"/>
+              </a:fontRef>
+            </p:style>
+          </p:cxnSp>
+        </p:grpSp>
+        <p:sp>
+          <p:nvSpPr>
+            <p:cNvPr id="168" name="Oval 167"/>
+            <p:cNvSpPr>
+              <a:spLocks noChangeAspect="1"/>
+            </p:cNvSpPr>
+            <p:nvPr/>
+          </p:nvSpPr>
+          <p:spPr>
+            <a:xfrm>
+              <a:off x="3878488" y="1944673"/>
+              <a:ext cx="191478" cy="365903"/>
+            </a:xfrm>
+            <a:prstGeom prst="ellipse">
+              <a:avLst/>
+            </a:prstGeom>
+            <a:solidFill>
+              <a:schemeClr val="tx1"/>
+            </a:solidFill>
+            <a:ln>
+              <a:solidFill>
+                <a:srgbClr val="000000"/>
+              </a:solidFill>
+            </a:ln>
+            <a:effectLst/>
+          </p:spPr>
+          <p:style>
+            <a:lnRef idx="1">
+              <a:schemeClr val="accent1"/>
+            </a:lnRef>
+            <a:fillRef idx="3">
+              <a:schemeClr val="accent1"/>
+            </a:fillRef>
+            <a:effectRef idx="2">
+              <a:schemeClr val="accent1"/>
+            </a:effectRef>
+            <a:fontRef idx="minor">
+              <a:schemeClr val="lt1"/>
+            </a:fontRef>
+          </p:style>
+          <p:txBody>
+            <a:bodyPr rtlCol="0" anchor="ctr"/>
+            <a:lstStyle/>
+            <a:p>
+              <a:pPr algn="ctr"/>
+              <a:endParaRPr lang="en-US"/>
+            </a:p>
+          </p:txBody>
+        </p:sp>
         <p:cxnSp>
           <p:nvCxnSpPr>
-            <p:cNvPr id="193" name="Straight Connector 192"/>
-            <p:cNvCxnSpPr/>
+            <p:cNvPr id="169" name="Straight Connector 168"/>
+            <p:cNvCxnSpPr>
+              <a:endCxn id="171" idx="0"/>
+            </p:cNvCxnSpPr>
             <p:nvPr/>
           </p:nvCxnSpPr>
           <p:spPr>
-            <a:xfrm>
-              <a:off x="1115645" y="1819075"/>
-              <a:ext cx="0" cy="2762936"/>
+            <a:xfrm flipV="1">
+              <a:off x="927720" y="1668559"/>
+              <a:ext cx="6177435" cy="520447"/>
             </a:xfrm>
             <a:prstGeom prst="line">
               <a:avLst/>
             </a:prstGeom>
             <a:ln>
               <a:solidFill>
-                <a:schemeClr val="tx1"/>
+                <a:srgbClr val="FF0000"/>
               </a:solidFill>
+              <a:prstDash val="dash"/>
+              <a:headEnd type="none"/>
+              <a:tailEnd type="arrow"/>
             </a:ln>
             <a:effectLst/>
           </p:spPr>
@@ -3152,22 +3610,118 @@
         </p:cxnSp>
         <p:cxnSp>
           <p:nvCxnSpPr>
-            <p:cNvPr id="194" name="Straight Connector 193"/>
-            <p:cNvCxnSpPr/>
+            <p:cNvPr id="170" name="Straight Connector 169"/>
+            <p:cNvCxnSpPr>
+              <a:endCxn id="171" idx="4"/>
+            </p:cNvCxnSpPr>
             <p:nvPr/>
           </p:nvCxnSpPr>
           <p:spPr>
             <a:xfrm>
-              <a:off x="2435182" y="941810"/>
-              <a:ext cx="0" cy="2762936"/>
+              <a:off x="927720" y="2189004"/>
+              <a:ext cx="6177435" cy="211361"/>
             </a:xfrm>
             <a:prstGeom prst="line">
               <a:avLst/>
             </a:prstGeom>
             <a:ln>
               <a:solidFill>
-                <a:schemeClr val="tx1"/>
+                <a:srgbClr val="FF0000"/>
               </a:solidFill>
+              <a:prstDash val="dash"/>
+              <a:headEnd type="none"/>
+              <a:tailEnd type="arrow"/>
+            </a:ln>
+            <a:effectLst/>
+          </p:spPr>
+          <p:style>
+            <a:lnRef idx="2">
+              <a:schemeClr val="accent1"/>
+            </a:lnRef>
+            <a:fillRef idx="0">
+              <a:schemeClr val="accent1"/>
+            </a:fillRef>
+            <a:effectRef idx="1">
+              <a:schemeClr val="accent1"/>
+            </a:effectRef>
+            <a:fontRef idx="minor">
+              <a:schemeClr val="tx1"/>
+            </a:fontRef>
+          </p:style>
+        </p:cxnSp>
+        <p:sp>
+          <p:nvSpPr>
+            <p:cNvPr id="171" name="Oval 170"/>
+            <p:cNvSpPr>
+              <a:spLocks noChangeAspect="1"/>
+            </p:cNvSpPr>
+            <p:nvPr/>
+          </p:nvSpPr>
+          <p:spPr>
+            <a:xfrm>
+              <a:off x="6913677" y="1668559"/>
+              <a:ext cx="382956" cy="731806"/>
+            </a:xfrm>
+            <a:prstGeom prst="ellipse">
+              <a:avLst/>
+            </a:prstGeom>
+            <a:solidFill>
+              <a:srgbClr val="FF0000">
+                <a:alpha val="43000"/>
+              </a:srgbClr>
+            </a:solidFill>
+            <a:ln w="28575" cmpd="sng">
+              <a:noFill/>
+              <a:prstDash val="dash"/>
+            </a:ln>
+            <a:effectLst/>
+          </p:spPr>
+          <p:style>
+            <a:lnRef idx="1">
+              <a:schemeClr val="accent1"/>
+            </a:lnRef>
+            <a:fillRef idx="3">
+              <a:schemeClr val="accent1"/>
+            </a:fillRef>
+            <a:effectRef idx="2">
+              <a:schemeClr val="accent1"/>
+            </a:effectRef>
+            <a:fontRef idx="minor">
+              <a:schemeClr val="lt1"/>
+            </a:fontRef>
+          </p:style>
+          <p:txBody>
+            <a:bodyPr rtlCol="0" anchor="ctr"/>
+            <a:lstStyle/>
+            <a:p>
+              <a:pPr algn="ctr"/>
+              <a:endParaRPr lang="en-US"/>
+            </a:p>
+          </p:txBody>
+        </p:sp>
+        <p:cxnSp>
+          <p:nvCxnSpPr>
+            <p:cNvPr id="172" name="Straight Connector 171"/>
+            <p:cNvCxnSpPr>
+              <a:endCxn id="174" idx="0"/>
+            </p:cNvCxnSpPr>
+            <p:nvPr/>
+          </p:nvCxnSpPr>
+          <p:spPr>
+            <a:xfrm>
+              <a:off x="927719" y="1668558"/>
+              <a:ext cx="6177436" cy="551991"/>
+            </a:xfrm>
+            <a:prstGeom prst="line">
+              <a:avLst/>
+            </a:prstGeom>
+            <a:ln>
+              <a:solidFill>
+                <a:srgbClr val="3366FF"/>
+              </a:solidFill>
+              <a:prstDash val="dash"/>
+              <a:headEnd type="none"/>
+              <a:tailEnd type="arrow"/>
             </a:ln>
             <a:effectLst/>
           </p:spPr>
@@ -3188,22 +3742,118 @@
         </p:cxnSp>
         <p:cxnSp>
           <p:nvCxnSpPr>
-            <p:cNvPr id="195" name="Straight Connector 194"/>
-            <p:cNvCxnSpPr/>
+            <p:cNvPr id="173" name="Straight Connector 172"/>
+            <p:cNvCxnSpPr>
+              <a:endCxn id="174" idx="4"/>
+            </p:cNvCxnSpPr>
             <p:nvPr/>
           </p:nvCxnSpPr>
           <p:spPr>
-            <a:xfrm flipV="1">
-              <a:off x="1115645" y="941810"/>
-              <a:ext cx="1319537" cy="877265"/>
+            <a:xfrm>
+              <a:off x="927719" y="1668558"/>
+              <a:ext cx="6177436" cy="1283797"/>
             </a:xfrm>
             <a:prstGeom prst="line">
               <a:avLst/>
             </a:prstGeom>
             <a:ln>
               <a:solidFill>
-                <a:schemeClr val="tx1"/>
+                <a:srgbClr val="3366FF"/>
               </a:solidFill>
+              <a:prstDash val="dash"/>
+              <a:headEnd type="none"/>
+              <a:tailEnd type="arrow"/>
+            </a:ln>
+            <a:effectLst/>
+          </p:spPr>
+          <p:style>
+            <a:lnRef idx="2">
+              <a:schemeClr val="accent1"/>
+            </a:lnRef>
+            <a:fillRef idx="0">
+              <a:schemeClr val="accent1"/>
+            </a:fillRef>
+            <a:effectRef idx="1">
+              <a:schemeClr val="accent1"/>
+            </a:effectRef>
+            <a:fontRef idx="minor">
+              <a:schemeClr val="tx1"/>
+            </a:fontRef>
+          </p:style>
+        </p:cxnSp>
+        <p:sp>
+          <p:nvSpPr>
+            <p:cNvPr id="174" name="Oval 173"/>
+            <p:cNvSpPr>
+              <a:spLocks noChangeAspect="1"/>
+            </p:cNvSpPr>
+            <p:nvPr/>
+          </p:nvSpPr>
+          <p:spPr>
+            <a:xfrm>
+              <a:off x="6913677" y="2220549"/>
+              <a:ext cx="382956" cy="731806"/>
+            </a:xfrm>
+            <a:prstGeom prst="ellipse">
+              <a:avLst/>
+            </a:prstGeom>
+            <a:solidFill>
+              <a:srgbClr val="3366FF">
+                <a:alpha val="64000"/>
+              </a:srgbClr>
+            </a:solidFill>
+            <a:ln w="28575" cmpd="sng">
+              <a:noFill/>
+              <a:prstDash val="dash"/>
+            </a:ln>
+            <a:effectLst/>
+          </p:spPr>
+          <p:style>
+            <a:lnRef idx="1">
+              <a:schemeClr val="accent1"/>
+            </a:lnRef>
+            <a:fillRef idx="3">
+              <a:schemeClr val="accent1"/>
+            </a:fillRef>
+            <a:effectRef idx="2">
+              <a:schemeClr val="accent1"/>
+            </a:effectRef>
+            <a:fontRef idx="minor">
+              <a:schemeClr val="lt1"/>
+            </a:fontRef>
+          </p:style>
+          <p:txBody>
+            <a:bodyPr rtlCol="0" anchor="ctr"/>
+            <a:lstStyle/>
+            <a:p>
+              <a:pPr algn="ctr"/>
+              <a:endParaRPr lang="en-US"/>
+            </a:p>
+          </p:txBody>
+        </p:sp>
+        <p:cxnSp>
+          <p:nvCxnSpPr>
+            <p:cNvPr id="175" name="Straight Connector 174"/>
+            <p:cNvCxnSpPr>
+              <a:endCxn id="177" idx="0"/>
+            </p:cNvCxnSpPr>
+            <p:nvPr/>
+          </p:nvCxnSpPr>
+          <p:spPr>
+            <a:xfrm flipV="1">
+              <a:off x="927719" y="1102322"/>
+              <a:ext cx="6177436" cy="1644035"/>
+            </a:xfrm>
+            <a:prstGeom prst="line">
+              <a:avLst/>
+            </a:prstGeom>
+            <a:ln>
+              <a:solidFill>
+                <a:srgbClr val="02E100"/>
+              </a:solidFill>
+              <a:prstDash val="dash"/>
+              <a:headEnd type="none"/>
+              <a:tailEnd type="arrow"/>
             </a:ln>
             <a:effectLst/>
           </p:spPr>
@@ -3224,22 +3874,27 @@
         </p:cxnSp>
         <p:cxnSp>
           <p:nvCxnSpPr>
-            <p:cNvPr id="196" name="Straight Connector 195"/>
-            <p:cNvCxnSpPr/>
+            <p:cNvPr id="176" name="Straight Connector 175"/>
+            <p:cNvCxnSpPr>
+              <a:endCxn id="177" idx="4"/>
+            </p:cNvCxnSpPr>
             <p:nvPr/>
           </p:nvCxnSpPr>
           <p:spPr>
             <a:xfrm flipV="1">
-              <a:off x="1115645" y="3704746"/>
-              <a:ext cx="1319537" cy="877265"/>
+              <a:off x="931780" y="1834128"/>
+              <a:ext cx="6173375" cy="912227"/>
             </a:xfrm>
             <a:prstGeom prst="line">
               <a:avLst/>
             </a:prstGeom>
             <a:ln>
               <a:solidFill>
-                <a:schemeClr val="tx1"/>
+                <a:srgbClr val="02E100"/>
               </a:solidFill>
+              <a:prstDash val="dash"/>
+              <a:headEnd type="none"/>
+              <a:tailEnd type="arrow"/>
             </a:ln>
             <a:effectLst/>
           </p:spPr>
@@ -3258,929 +3913,517 @@
             </a:fontRef>
           </p:style>
         </p:cxnSp>
-      </p:grpSp>
-      <p:grpSp>
-        <p:nvGrpSpPr>
-          <p:cNvPr id="163" name="Group 162"/>
-          <p:cNvGrpSpPr/>
-          <p:nvPr/>
-        </p:nvGrpSpPr>
-        <p:grpSpPr>
-          <a:xfrm>
-            <a:off x="3295933" y="141373"/>
-            <a:ext cx="1287050" cy="3450504"/>
-            <a:chOff x="1115645" y="941810"/>
-            <a:chExt cx="1319537" cy="3640201"/>
-          </a:xfrm>
-        </p:grpSpPr>
-        <p:cxnSp>
-          <p:nvCxnSpPr>
-            <p:cNvPr id="189" name="Straight Connector 188"/>
-            <p:cNvCxnSpPr/>
+        <p:sp>
+          <p:nvSpPr>
+            <p:cNvPr id="177" name="Oval 176"/>
+            <p:cNvSpPr>
+              <a:spLocks noChangeAspect="1"/>
+            </p:cNvSpPr>
             <p:nvPr/>
-          </p:nvCxnSpPr>
+          </p:nvSpPr>
           <p:spPr>
             <a:xfrm>
-              <a:off x="1115645" y="1819075"/>
-              <a:ext cx="0" cy="2762936"/>
+              <a:off x="6913677" y="1102322"/>
+              <a:ext cx="382956" cy="731806"/>
             </a:xfrm>
-            <a:prstGeom prst="line">
+            <a:prstGeom prst="ellipse">
               <a:avLst/>
             </a:prstGeom>
-            <a:ln>
-              <a:solidFill>
-                <a:schemeClr val="tx1"/>
-              </a:solidFill>
+            <a:solidFill>
+              <a:srgbClr val="02E100">
+                <a:alpha val="69000"/>
+              </a:srgbClr>
+            </a:solidFill>
+            <a:ln w="28575" cmpd="sng">
+              <a:noFill/>
+              <a:prstDash val="dash"/>
             </a:ln>
             <a:effectLst/>
           </p:spPr>
           <p:style>
-            <a:lnRef idx="2">
+            <a:lnRef idx="1">
               <a:schemeClr val="accent1"/>
             </a:lnRef>
-            <a:fillRef idx="0">
+            <a:fillRef idx="3">
               <a:schemeClr val="accent1"/>
             </a:fillRef>
-            <a:effectRef idx="1">
+            <a:effectRef idx="2">
               <a:schemeClr val="accent1"/>
             </a:effectRef>
             <a:fontRef idx="minor">
-              <a:schemeClr val="tx1"/>
+              <a:schemeClr val="lt1"/>
             </a:fontRef>
           </p:style>
-        </p:cxnSp>
-        <p:cxnSp>
-          <p:nvCxnSpPr>
-            <p:cNvPr id="190" name="Straight Connector 189"/>
-            <p:cNvCxnSpPr/>
+          <p:txBody>
+            <a:bodyPr rtlCol="0" anchor="ctr"/>
+            <a:lstStyle/>
+            <a:p>
+              <a:pPr algn="ctr"/>
+              <a:endParaRPr lang="en-US"/>
+            </a:p>
+          </p:txBody>
+        </p:sp>
+        <p:sp>
+          <p:nvSpPr>
+            <p:cNvPr id="197" name="TextBox 196"/>
+            <p:cNvSpPr txBox="1"/>
             <p:nvPr/>
-          </p:nvCxnSpPr>
+          </p:nvSpPr>
           <p:spPr>
             <a:xfrm>
-              <a:off x="2435182" y="941810"/>
-              <a:ext cx="0" cy="2762936"/>
+              <a:off x="278628" y="3929768"/>
+              <a:ext cx="1147670" cy="507831"/>
             </a:xfrm>
-            <a:prstGeom prst="line">
+            <a:prstGeom prst="rect">
               <a:avLst/>
             </a:prstGeom>
+            <a:noFill/>
+          </p:spPr>
+          <p:txBody>
+            <a:bodyPr wrap="none" rtlCol="0">
+              <a:spAutoFit/>
+            </a:bodyPr>
+            <a:lstStyle/>
+            <a:p>
+              <a:pPr algn="ctr"/>
+              <a:r>
+                <a:rPr lang="en-US" sz="2700" dirty="0"/>
+                <a:t>Source</a:t>
+              </a:r>
+              <a:endParaRPr lang="en-US" sz="2700" dirty="0"/>
+            </a:p>
+          </p:txBody>
+        </p:sp>
+        <p:sp>
+          <p:nvSpPr>
+            <p:cNvPr id="198" name="TextBox 197"/>
+            <p:cNvSpPr txBox="1"/>
+            <p:nvPr/>
+          </p:nvSpPr>
+          <p:spPr>
+            <a:xfrm>
+              <a:off x="3261101" y="3737348"/>
+              <a:ext cx="1441740" cy="923330"/>
+            </a:xfrm>
+            <a:prstGeom prst="rect">
+              <a:avLst/>
+            </a:prstGeom>
+            <a:noFill/>
+          </p:spPr>
+          <p:txBody>
+            <a:bodyPr wrap="none" rtlCol="0">
+              <a:spAutoFit/>
+            </a:bodyPr>
+            <a:lstStyle/>
+            <a:p>
+              <a:pPr algn="ctr"/>
+              <a:r>
+                <a:rPr lang="en-US" sz="2700" dirty="0"/>
+                <a:t>Finite </a:t>
+              </a:r>
+            </a:p>
+            <a:p>
+              <a:pPr algn="ctr"/>
+              <a:r>
+                <a:rPr lang="en-US" sz="2700" dirty="0"/>
+                <a:t>Aperture</a:t>
+              </a:r>
+            </a:p>
+          </p:txBody>
+        </p:sp>
+        <p:sp>
+          <p:nvSpPr>
+            <p:cNvPr id="199" name="TextBox 198"/>
+            <p:cNvSpPr txBox="1"/>
+            <p:nvPr/>
+          </p:nvSpPr>
+          <p:spPr>
+            <a:xfrm>
+              <a:off x="6285274" y="3737348"/>
+              <a:ext cx="1527021" cy="923330"/>
+            </a:xfrm>
+            <a:prstGeom prst="rect">
+              <a:avLst/>
+            </a:prstGeom>
+            <a:noFill/>
+          </p:spPr>
+          <p:txBody>
+            <a:bodyPr wrap="none" rtlCol="0">
+              <a:spAutoFit/>
+            </a:bodyPr>
+            <a:lstStyle/>
+            <a:p>
+              <a:pPr algn="ctr"/>
+              <a:r>
+                <a:rPr lang="en-US" sz="2700" dirty="0"/>
+                <a:t>Projected</a:t>
+              </a:r>
+            </a:p>
+            <a:p>
+              <a:pPr algn="ctr"/>
+              <a:r>
+                <a:rPr lang="en-US" sz="2700" dirty="0"/>
+                <a:t>Image</a:t>
+              </a:r>
+            </a:p>
+          </p:txBody>
+        </p:sp>
+        <p:pic>
+          <p:nvPicPr>
+            <p:cNvPr id="2" name="Picture 1"/>
+            <p:cNvPicPr>
+              <a:picLocks noChangeAspect="1"/>
+            </p:cNvPicPr>
+            <p:nvPr/>
+          </p:nvPicPr>
+          <p:blipFill>
+            <a:blip r:embed="rId2"/>
+            <a:stretch>
+              <a:fillRect/>
+            </a:stretch>
+          </p:blipFill>
+          <p:spPr>
+            <a:xfrm>
+              <a:off x="6592683" y="4750827"/>
+              <a:ext cx="1005170" cy="379503"/>
+            </a:xfrm>
+            <a:prstGeom prst="rect">
+              <a:avLst/>
+            </a:prstGeom>
+          </p:spPr>
+        </p:pic>
+        <p:sp>
+          <p:nvSpPr>
+            <p:cNvPr id="6" name="Oval 5"/>
+            <p:cNvSpPr/>
+            <p:nvPr/>
+          </p:nvSpPr>
+          <p:spPr>
+            <a:xfrm>
+              <a:off x="874599" y="2709308"/>
+              <a:ext cx="82062" cy="82062"/>
+            </a:xfrm>
+            <a:prstGeom prst="ellipse">
+              <a:avLst/>
+            </a:prstGeom>
+            <a:solidFill>
+              <a:schemeClr val="tx1"/>
+            </a:solidFill>
             <a:ln>
-              <a:solidFill>
-                <a:schemeClr val="tx1"/>
-              </a:solidFill>
+              <a:noFill/>
             </a:ln>
             <a:effectLst/>
           </p:spPr>
           <p:style>
-            <a:lnRef idx="2">
+            <a:lnRef idx="1">
               <a:schemeClr val="accent1"/>
             </a:lnRef>
-            <a:fillRef idx="0">
+            <a:fillRef idx="3">
               <a:schemeClr val="accent1"/>
             </a:fillRef>
-            <a:effectRef idx="1">
+            <a:effectRef idx="2">
               <a:schemeClr val="accent1"/>
             </a:effectRef>
             <a:fontRef idx="minor">
-              <a:schemeClr val="tx1"/>
+              <a:schemeClr val="lt1"/>
             </a:fontRef>
           </p:style>
-        </p:cxnSp>
-        <p:cxnSp>
-          <p:nvCxnSpPr>
-            <p:cNvPr id="191" name="Straight Connector 190"/>
-            <p:cNvCxnSpPr/>
+          <p:txBody>
+            <a:bodyPr rot="0" spcFirstLastPara="0" vertOverflow="overflow" horzOverflow="overflow" vert="horz" wrap="square" lIns="91440" tIns="45720" rIns="91440" bIns="45720" numCol="1" spcCol="0" rtlCol="0" fromWordArt="0" anchor="ctr" anchorCtr="0" forceAA="0" compatLnSpc="1">
+              <a:prstTxWarp prst="textNoShape">
+                <a:avLst/>
+              </a:prstTxWarp>
+              <a:noAutofit/>
+            </a:bodyPr>
+            <a:lstStyle/>
+            <a:p>
+              <a:pPr algn="ctr"/>
+              <a:endParaRPr lang="en-US"/>
+            </a:p>
+          </p:txBody>
+        </p:sp>
+        <p:sp>
+          <p:nvSpPr>
+            <p:cNvPr id="37" name="Oval 36"/>
+            <p:cNvSpPr/>
             <p:nvPr/>
-          </p:nvCxnSpPr>
+          </p:nvSpPr>
           <p:spPr>
-            <a:xfrm flipV="1">
-              <a:off x="1115645" y="941810"/>
-              <a:ext cx="1319537" cy="877265"/>
+            <a:xfrm>
+              <a:off x="874599" y="2141461"/>
+              <a:ext cx="82062" cy="82062"/>
             </a:xfrm>
-            <a:prstGeom prst="line">
+            <a:prstGeom prst="ellipse">
               <a:avLst/>
             </a:prstGeom>
+            <a:solidFill>
+              <a:schemeClr val="tx1"/>
+            </a:solidFill>
             <a:ln>
-              <a:solidFill>
-                <a:schemeClr val="tx1"/>
-              </a:solidFill>
+              <a:noFill/>
             </a:ln>
             <a:effectLst/>
           </p:spPr>
           <p:style>
-            <a:lnRef idx="2">
+            <a:lnRef idx="1">
               <a:schemeClr val="accent1"/>
             </a:lnRef>
-            <a:fillRef idx="0">
+            <a:fillRef idx="3">
               <a:schemeClr val="accent1"/>
             </a:fillRef>
-            <a:effectRef idx="1">
+            <a:effectRef idx="2">
               <a:schemeClr val="accent1"/>
             </a:effectRef>
             <a:fontRef idx="minor">
-              <a:schemeClr val="tx1"/>
+              <a:schemeClr val="lt1"/>
             </a:fontRef>
           </p:style>
-        </p:cxnSp>
-        <p:cxnSp>
-          <p:nvCxnSpPr>
-            <p:cNvPr id="192" name="Straight Connector 191"/>
-            <p:cNvCxnSpPr/>
+          <p:txBody>
+            <a:bodyPr rot="0" spcFirstLastPara="0" vertOverflow="overflow" horzOverflow="overflow" vert="horz" wrap="square" lIns="91440" tIns="45720" rIns="91440" bIns="45720" numCol="1" spcCol="0" rtlCol="0" fromWordArt="0" anchor="ctr" anchorCtr="0" forceAA="0" compatLnSpc="1">
+              <a:prstTxWarp prst="textNoShape">
+                <a:avLst/>
+              </a:prstTxWarp>
+              <a:noAutofit/>
+            </a:bodyPr>
+            <a:lstStyle/>
+            <a:p>
+              <a:pPr algn="ctr"/>
+              <a:endParaRPr lang="en-US"/>
+            </a:p>
+          </p:txBody>
+        </p:sp>
+        <p:sp>
+          <p:nvSpPr>
+            <p:cNvPr id="38" name="Oval 37"/>
+            <p:cNvSpPr/>
             <p:nvPr/>
-          </p:nvCxnSpPr>
+          </p:nvSpPr>
           <p:spPr>
-            <a:xfrm flipV="1">
-              <a:off x="1115645" y="3704746"/>
-              <a:ext cx="1319537" cy="877265"/>
+            <a:xfrm>
+              <a:off x="874599" y="1624553"/>
+              <a:ext cx="82062" cy="82062"/>
             </a:xfrm>
-            <a:prstGeom prst="line">
+            <a:prstGeom prst="ellipse">
               <a:avLst/>
             </a:prstGeom>
+            <a:solidFill>
+              <a:schemeClr val="tx1"/>
+            </a:solidFill>
             <a:ln>
-              <a:solidFill>
-                <a:schemeClr val="tx1"/>
-              </a:solidFill>
+              <a:noFill/>
             </a:ln>
             <a:effectLst/>
           </p:spPr>
           <p:style>
-            <a:lnRef idx="2">
+            <a:lnRef idx="1">
               <a:schemeClr val="accent1"/>
             </a:lnRef>
-            <a:fillRef idx="0">
+            <a:fillRef idx="3">
               <a:schemeClr val="accent1"/>
             </a:fillRef>
-            <a:effectRef idx="1">
+            <a:effectRef idx="2">
               <a:schemeClr val="accent1"/>
             </a:effectRef>
             <a:fontRef idx="minor">
-              <a:schemeClr val="tx1"/>
+              <a:schemeClr val="lt1"/>
             </a:fontRef>
           </p:style>
-        </p:cxnSp>
-      </p:grpSp>
-      <p:grpSp>
-        <p:nvGrpSpPr>
-          <p:cNvPr id="164" name="Group 163"/>
-          <p:cNvGrpSpPr/>
-          <p:nvPr/>
-        </p:nvGrpSpPr>
-        <p:grpSpPr>
-          <a:xfrm>
-            <a:off x="6391032" y="141373"/>
-            <a:ext cx="1287050" cy="3450504"/>
-            <a:chOff x="1115645" y="941810"/>
-            <a:chExt cx="1319537" cy="3640201"/>
-          </a:xfrm>
-        </p:grpSpPr>
-        <p:cxnSp>
-          <p:nvCxnSpPr>
-            <p:cNvPr id="185" name="Straight Connector 184"/>
-            <p:cNvCxnSpPr/>
+          <p:txBody>
+            <a:bodyPr rot="0" spcFirstLastPara="0" vertOverflow="overflow" horzOverflow="overflow" vert="horz" wrap="square" lIns="91440" tIns="45720" rIns="91440" bIns="45720" numCol="1" spcCol="0" rtlCol="0" fromWordArt="0" anchor="ctr" anchorCtr="0" forceAA="0" compatLnSpc="1">
+              <a:prstTxWarp prst="textNoShape">
+                <a:avLst/>
+              </a:prstTxWarp>
+              <a:noAutofit/>
+            </a:bodyPr>
+            <a:lstStyle/>
+            <a:p>
+              <a:pPr algn="ctr"/>
+              <a:endParaRPr lang="en-US"/>
+            </a:p>
+          </p:txBody>
+        </p:sp>
+        <p:pic>
+          <p:nvPicPr>
+            <p:cNvPr id="11" name="Picture 10"/>
+            <p:cNvPicPr>
+              <a:picLocks noChangeAspect="1"/>
+            </p:cNvPicPr>
             <p:nvPr/>
-          </p:nvCxnSpPr>
+          </p:nvPicPr>
+          <p:blipFill>
+            <a:blip r:embed="rId3"/>
+            <a:stretch>
+              <a:fillRect/>
+            </a:stretch>
+          </p:blipFill>
           <p:spPr>
             <a:xfrm>
-              <a:off x="1115645" y="1819075"/>
-              <a:ext cx="0" cy="2762936"/>
+              <a:off x="1668694" y="337491"/>
+              <a:ext cx="140823" cy="126000"/>
             </a:xfrm>
-            <a:prstGeom prst="line">
+            <a:prstGeom prst="rect">
               <a:avLst/>
             </a:prstGeom>
-            <a:ln>
-              <a:solidFill>
-                <a:schemeClr val="tx1"/>
-              </a:solidFill>
-            </a:ln>
-            <a:effectLst/>
           </p:spPr>
-          <p:style>
-            <a:lnRef idx="2">
-              <a:schemeClr val="accent1"/>
-            </a:lnRef>
-            <a:fillRef idx="0">
-              <a:schemeClr val="accent1"/>
-            </a:fillRef>
-            <a:effectRef idx="1">
-              <a:schemeClr val="accent1"/>
-            </a:effectRef>
-            <a:fontRef idx="minor">
-              <a:schemeClr val="tx1"/>
-            </a:fontRef>
-          </p:style>
-        </p:cxnSp>
-        <p:cxnSp>
-          <p:nvCxnSpPr>
-            <p:cNvPr id="186" name="Straight Connector 185"/>
-            <p:cNvCxnSpPr/>
+        </p:pic>
+        <p:pic>
+          <p:nvPicPr>
+            <p:cNvPr id="12" name="Picture 11"/>
+            <p:cNvPicPr>
+              <a:picLocks noChangeAspect="1"/>
+            </p:cNvPicPr>
             <p:nvPr/>
-          </p:nvCxnSpPr>
+          </p:nvPicPr>
+          <p:blipFill>
+            <a:blip r:embed="rId4"/>
+            <a:stretch>
+              <a:fillRect/>
+            </a:stretch>
+          </p:blipFill>
           <p:spPr>
             <a:xfrm>
-              <a:off x="2435182" y="941810"/>
-              <a:ext cx="0" cy="2762936"/>
+              <a:off x="2308613" y="654884"/>
+              <a:ext cx="127500" cy="180000"/>
             </a:xfrm>
-            <a:prstGeom prst="line">
+            <a:prstGeom prst="rect">
               <a:avLst/>
             </a:prstGeom>
-            <a:ln>
-              <a:solidFill>
+          </p:spPr>
+        </p:pic>
+        <p:grpSp>
+          <p:nvGrpSpPr>
+            <p:cNvPr id="16" name="Group 15"/>
+            <p:cNvGrpSpPr/>
+            <p:nvPr/>
+          </p:nvGrpSpPr>
+          <p:grpSpPr>
+            <a:xfrm>
+              <a:off x="1913177" y="269758"/>
+              <a:ext cx="429990" cy="529520"/>
+              <a:chOff x="1659988" y="141374"/>
+              <a:chExt cx="429990" cy="529520"/>
+            </a:xfrm>
+          </p:grpSpPr>
+          <p:cxnSp>
+            <p:nvCxnSpPr>
+              <p:cNvPr id="8" name="Straight Arrow Connector 7"/>
+              <p:cNvCxnSpPr/>
+              <p:nvPr/>
+            </p:nvCxnSpPr>
+            <p:spPr>
+              <a:xfrm flipV="1">
+                <a:off x="1659988" y="141374"/>
+                <a:ext cx="0" cy="529520"/>
+              </a:xfrm>
+              <a:prstGeom prst="straightConnector1">
+                <a:avLst/>
+              </a:prstGeom>
+              <a:ln>
+                <a:solidFill>
+                  <a:schemeClr val="tx1"/>
+                </a:solidFill>
+                <a:headEnd type="none"/>
+                <a:tailEnd type="arrow"/>
+              </a:ln>
+              <a:effectLst/>
+            </p:spPr>
+            <p:style>
+              <a:lnRef idx="2">
+                <a:schemeClr val="accent1"/>
+              </a:lnRef>
+              <a:fillRef idx="0">
+                <a:schemeClr val="accent1"/>
+              </a:fillRef>
+              <a:effectRef idx="1">
+                <a:schemeClr val="accent1"/>
+              </a:effectRef>
+              <a:fontRef idx="minor">
                 <a:schemeClr val="tx1"/>
-              </a:solidFill>
-            </a:ln>
-            <a:effectLst/>
-          </p:spPr>
-          <p:style>
-            <a:lnRef idx="2">
-              <a:schemeClr val="accent1"/>
-            </a:lnRef>
-            <a:fillRef idx="0">
-              <a:schemeClr val="accent1"/>
-            </a:fillRef>
-            <a:effectRef idx="1">
-              <a:schemeClr val="accent1"/>
-            </a:effectRef>
-            <a:fontRef idx="minor">
-              <a:schemeClr val="tx1"/>
-            </a:fontRef>
-          </p:style>
-        </p:cxnSp>
-        <p:cxnSp>
-          <p:nvCxnSpPr>
-            <p:cNvPr id="187" name="Straight Connector 186"/>
-            <p:cNvCxnSpPr/>
+              </a:fontRef>
+            </p:style>
+          </p:cxnSp>
+          <p:cxnSp>
+            <p:nvCxnSpPr>
+              <p:cNvPr id="47" name="Straight Arrow Connector 46"/>
+              <p:cNvCxnSpPr/>
+              <p:nvPr/>
+            </p:nvCxnSpPr>
+            <p:spPr>
+              <a:xfrm flipV="1">
+                <a:off x="1659988" y="393895"/>
+                <a:ext cx="429990" cy="276999"/>
+              </a:xfrm>
+              <a:prstGeom prst="straightConnector1">
+                <a:avLst/>
+              </a:prstGeom>
+              <a:ln>
+                <a:solidFill>
+                  <a:schemeClr val="tx1"/>
+                </a:solidFill>
+                <a:headEnd type="none"/>
+                <a:tailEnd type="arrow"/>
+              </a:ln>
+              <a:effectLst/>
+            </p:spPr>
+            <p:style>
+              <a:lnRef idx="2">
+                <a:schemeClr val="accent1"/>
+              </a:lnRef>
+              <a:fillRef idx="0">
+                <a:schemeClr val="accent1"/>
+              </a:fillRef>
+              <a:effectRef idx="1">
+                <a:schemeClr val="accent1"/>
+              </a:effectRef>
+              <a:fontRef idx="minor">
+                <a:schemeClr val="tx1"/>
+              </a:fontRef>
+            </p:style>
+          </p:cxnSp>
+        </p:grpSp>
+        <p:pic>
+          <p:nvPicPr>
+            <p:cNvPr id="18" name="Picture 17"/>
+            <p:cNvPicPr>
+              <a:picLocks noChangeAspect="1"/>
+            </p:cNvPicPr>
             <p:nvPr/>
-          </p:nvCxnSpPr>
+          </p:nvPicPr>
+          <p:blipFill>
+            <a:blip r:embed="rId5"/>
+            <a:stretch>
+              <a:fillRect/>
+            </a:stretch>
+          </p:blipFill>
           <p:spPr>
-            <a:xfrm flipV="1">
-              <a:off x="1115645" y="941810"/>
-              <a:ext cx="1319537" cy="877265"/>
+            <a:xfrm>
+              <a:off x="1078317" y="5524754"/>
+              <a:ext cx="6519536" cy="907153"/>
             </a:xfrm>
-            <a:prstGeom prst="line">
+            <a:prstGeom prst="rect">
               <a:avLst/>
             </a:prstGeom>
-            <a:ln>
-              <a:solidFill>
-                <a:schemeClr val="tx1"/>
-              </a:solidFill>
-            </a:ln>
-            <a:effectLst/>
           </p:spPr>
-          <p:style>
-            <a:lnRef idx="2">
-              <a:schemeClr val="accent1"/>
-            </a:lnRef>
-            <a:fillRef idx="0">
-              <a:schemeClr val="accent1"/>
-            </a:fillRef>
-            <a:effectRef idx="1">
-              <a:schemeClr val="accent1"/>
-            </a:effectRef>
-            <a:fontRef idx="minor">
-              <a:schemeClr val="tx1"/>
-            </a:fontRef>
-          </p:style>
-        </p:cxnSp>
-        <p:cxnSp>
-          <p:nvCxnSpPr>
-            <p:cNvPr id="188" name="Straight Connector 187"/>
-            <p:cNvCxnSpPr/>
-            <p:nvPr/>
-          </p:nvCxnSpPr>
-          <p:spPr>
-            <a:xfrm flipV="1">
-              <a:off x="1115645" y="3704746"/>
-              <a:ext cx="1319537" cy="877265"/>
-            </a:xfrm>
-            <a:prstGeom prst="line">
-              <a:avLst/>
-            </a:prstGeom>
-            <a:ln>
-              <a:solidFill>
-                <a:schemeClr val="tx1"/>
-              </a:solidFill>
-            </a:ln>
-            <a:effectLst/>
-          </p:spPr>
-          <p:style>
-            <a:lnRef idx="2">
-              <a:schemeClr val="accent1"/>
-            </a:lnRef>
-            <a:fillRef idx="0">
-              <a:schemeClr val="accent1"/>
-            </a:fillRef>
-            <a:effectRef idx="1">
-              <a:schemeClr val="accent1"/>
-            </a:effectRef>
-            <a:fontRef idx="minor">
-              <a:schemeClr val="tx1"/>
-            </a:fontRef>
-          </p:style>
-        </p:cxnSp>
+        </p:pic>
       </p:grpSp>
-      <p:sp>
-        <p:nvSpPr>
-          <p:cNvPr id="168" name="Oval 167"/>
-          <p:cNvSpPr>
-            <a:spLocks noChangeAspect="1"/>
-          </p:cNvSpPr>
-          <p:nvPr/>
-        </p:nvSpPr>
-        <p:spPr>
-          <a:xfrm>
-            <a:off x="3828613" y="1828298"/>
-            <a:ext cx="191478" cy="365903"/>
-          </a:xfrm>
-          <a:prstGeom prst="ellipse">
-            <a:avLst/>
-          </a:prstGeom>
-          <a:solidFill>
-            <a:schemeClr val="tx1"/>
-          </a:solidFill>
-          <a:ln>
-            <a:solidFill>
-              <a:srgbClr val="000000"/>
-            </a:solidFill>
-          </a:ln>
-          <a:effectLst/>
-        </p:spPr>
-        <p:style>
-          <a:lnRef idx="1">
-            <a:schemeClr val="accent1"/>
-          </a:lnRef>
-          <a:fillRef idx="3">
-            <a:schemeClr val="accent1"/>
-          </a:fillRef>
-          <a:effectRef idx="2">
-            <a:schemeClr val="accent1"/>
-          </a:effectRef>
-          <a:fontRef idx="minor">
-            <a:schemeClr val="lt1"/>
-          </a:fontRef>
-        </p:style>
-        <p:txBody>
-          <a:bodyPr rtlCol="0" anchor="ctr"/>
-          <a:lstStyle/>
-          <a:p>
-            <a:pPr algn="ctr"/>
-            <a:endParaRPr lang="en-US"/>
-          </a:p>
-        </p:txBody>
-      </p:sp>
-      <p:cxnSp>
-        <p:nvCxnSpPr>
-          <p:cNvPr id="169" name="Straight Connector 168"/>
-          <p:cNvCxnSpPr>
-            <a:endCxn id="171" idx="0"/>
-          </p:cNvCxnSpPr>
-          <p:nvPr/>
-        </p:nvCxnSpPr>
-        <p:spPr>
-          <a:xfrm flipV="1">
-            <a:off x="877845" y="1552184"/>
-            <a:ext cx="6177435" cy="520447"/>
-          </a:xfrm>
-          <a:prstGeom prst="line">
-            <a:avLst/>
-          </a:prstGeom>
-          <a:ln>
-            <a:solidFill>
-              <a:srgbClr val="FF0000"/>
-            </a:solidFill>
-            <a:prstDash val="dash"/>
-            <a:headEnd type="none"/>
-            <a:tailEnd type="arrow"/>
-          </a:ln>
-          <a:effectLst/>
-        </p:spPr>
-        <p:style>
-          <a:lnRef idx="2">
-            <a:schemeClr val="accent1"/>
-          </a:lnRef>
-          <a:fillRef idx="0">
-            <a:schemeClr val="accent1"/>
-          </a:fillRef>
-          <a:effectRef idx="1">
-            <a:schemeClr val="accent1"/>
-          </a:effectRef>
-          <a:fontRef idx="minor">
-            <a:schemeClr val="tx1"/>
-          </a:fontRef>
-        </p:style>
-      </p:cxnSp>
-      <p:cxnSp>
-        <p:nvCxnSpPr>
-          <p:cNvPr id="170" name="Straight Connector 169"/>
-          <p:cNvCxnSpPr>
-            <a:endCxn id="171" idx="4"/>
-          </p:cNvCxnSpPr>
-          <p:nvPr/>
-        </p:nvCxnSpPr>
-        <p:spPr>
-          <a:xfrm>
-            <a:off x="877845" y="2072629"/>
-            <a:ext cx="6177435" cy="211361"/>
-          </a:xfrm>
-          <a:prstGeom prst="line">
-            <a:avLst/>
-          </a:prstGeom>
-          <a:ln>
-            <a:solidFill>
-              <a:srgbClr val="FF0000"/>
-            </a:solidFill>
-            <a:prstDash val="dash"/>
-            <a:headEnd type="none"/>
-            <a:tailEnd type="arrow"/>
-          </a:ln>
-          <a:effectLst/>
-        </p:spPr>
-        <p:style>
-          <a:lnRef idx="2">
-            <a:schemeClr val="accent1"/>
-          </a:lnRef>
-          <a:fillRef idx="0">
-            <a:schemeClr val="accent1"/>
-          </a:fillRef>
-          <a:effectRef idx="1">
-            <a:schemeClr val="accent1"/>
-          </a:effectRef>
-          <a:fontRef idx="minor">
-            <a:schemeClr val="tx1"/>
-          </a:fontRef>
-        </p:style>
-      </p:cxnSp>
-      <p:sp>
-        <p:nvSpPr>
-          <p:cNvPr id="171" name="Oval 170"/>
-          <p:cNvSpPr>
-            <a:spLocks noChangeAspect="1"/>
-          </p:cNvSpPr>
-          <p:nvPr/>
-        </p:nvSpPr>
-        <p:spPr>
-          <a:xfrm>
-            <a:off x="6863802" y="1552184"/>
-            <a:ext cx="382956" cy="731806"/>
-          </a:xfrm>
-          <a:prstGeom prst="ellipse">
-            <a:avLst/>
-          </a:prstGeom>
-          <a:solidFill>
-            <a:srgbClr val="FF0000">
-              <a:alpha val="43000"/>
-            </a:srgbClr>
-          </a:solidFill>
-          <a:ln w="28575" cmpd="sng">
-            <a:noFill/>
-            <a:prstDash val="dash"/>
-          </a:ln>
-          <a:effectLst/>
-        </p:spPr>
-        <p:style>
-          <a:lnRef idx="1">
-            <a:schemeClr val="accent1"/>
-          </a:lnRef>
-          <a:fillRef idx="3">
-            <a:schemeClr val="accent1"/>
-          </a:fillRef>
-          <a:effectRef idx="2">
-            <a:schemeClr val="accent1"/>
-          </a:effectRef>
-          <a:fontRef idx="minor">
-            <a:schemeClr val="lt1"/>
-          </a:fontRef>
-        </p:style>
-        <p:txBody>
-          <a:bodyPr rtlCol="0" anchor="ctr"/>
-          <a:lstStyle/>
-          <a:p>
-            <a:pPr algn="ctr"/>
-            <a:endParaRPr lang="en-US"/>
-          </a:p>
-        </p:txBody>
-      </p:sp>
-      <p:cxnSp>
-        <p:nvCxnSpPr>
-          <p:cNvPr id="172" name="Straight Connector 171"/>
-          <p:cNvCxnSpPr>
-            <a:endCxn id="174" idx="0"/>
-          </p:cNvCxnSpPr>
-          <p:nvPr/>
-        </p:nvCxnSpPr>
-        <p:spPr>
-          <a:xfrm>
-            <a:off x="877844" y="1552183"/>
-            <a:ext cx="6177436" cy="551991"/>
-          </a:xfrm>
-          <a:prstGeom prst="line">
-            <a:avLst/>
-          </a:prstGeom>
-          <a:ln>
-            <a:solidFill>
-              <a:srgbClr val="3366FF"/>
-            </a:solidFill>
-            <a:prstDash val="dash"/>
-            <a:headEnd type="none"/>
-            <a:tailEnd type="arrow"/>
-          </a:ln>
-          <a:effectLst/>
-        </p:spPr>
-        <p:style>
-          <a:lnRef idx="2">
-            <a:schemeClr val="accent1"/>
-          </a:lnRef>
-          <a:fillRef idx="0">
-            <a:schemeClr val="accent1"/>
-          </a:fillRef>
-          <a:effectRef idx="1">
-            <a:schemeClr val="accent1"/>
-          </a:effectRef>
-          <a:fontRef idx="minor">
-            <a:schemeClr val="tx1"/>
-          </a:fontRef>
-        </p:style>
-      </p:cxnSp>
-      <p:cxnSp>
-        <p:nvCxnSpPr>
-          <p:cNvPr id="173" name="Straight Connector 172"/>
-          <p:cNvCxnSpPr>
-            <a:endCxn id="174" idx="4"/>
-          </p:cNvCxnSpPr>
-          <p:nvPr/>
-        </p:nvCxnSpPr>
-        <p:spPr>
-          <a:xfrm>
-            <a:off x="877844" y="1552183"/>
-            <a:ext cx="6177436" cy="1283797"/>
-          </a:xfrm>
-          <a:prstGeom prst="line">
-            <a:avLst/>
-          </a:prstGeom>
-          <a:ln>
-            <a:solidFill>
-              <a:srgbClr val="3366FF"/>
-            </a:solidFill>
-            <a:prstDash val="dash"/>
-            <a:headEnd type="none"/>
-            <a:tailEnd type="arrow"/>
-          </a:ln>
-          <a:effectLst/>
-        </p:spPr>
-        <p:style>
-          <a:lnRef idx="2">
-            <a:schemeClr val="accent1"/>
-          </a:lnRef>
-          <a:fillRef idx="0">
-            <a:schemeClr val="accent1"/>
-          </a:fillRef>
-          <a:effectRef idx="1">
-            <a:schemeClr val="accent1"/>
-          </a:effectRef>
-          <a:fontRef idx="minor">
-            <a:schemeClr val="tx1"/>
-          </a:fontRef>
-        </p:style>
-      </p:cxnSp>
-      <p:sp>
-        <p:nvSpPr>
-          <p:cNvPr id="174" name="Oval 173"/>
-          <p:cNvSpPr>
-            <a:spLocks noChangeAspect="1"/>
-          </p:cNvSpPr>
-          <p:nvPr/>
-        </p:nvSpPr>
-        <p:spPr>
-          <a:xfrm>
-            <a:off x="6863802" y="2104174"/>
-            <a:ext cx="382956" cy="731806"/>
-          </a:xfrm>
-          <a:prstGeom prst="ellipse">
-            <a:avLst/>
-          </a:prstGeom>
-          <a:solidFill>
-            <a:srgbClr val="3366FF">
-              <a:alpha val="64000"/>
-            </a:srgbClr>
-          </a:solidFill>
-          <a:ln w="28575" cmpd="sng">
-            <a:noFill/>
-            <a:prstDash val="dash"/>
-          </a:ln>
-          <a:effectLst/>
-        </p:spPr>
-        <p:style>
-          <a:lnRef idx="1">
-            <a:schemeClr val="accent1"/>
-          </a:lnRef>
-          <a:fillRef idx="3">
-            <a:schemeClr val="accent1"/>
-          </a:fillRef>
-          <a:effectRef idx="2">
-            <a:schemeClr val="accent1"/>
-          </a:effectRef>
-          <a:fontRef idx="minor">
-            <a:schemeClr val="lt1"/>
-          </a:fontRef>
-        </p:style>
-        <p:txBody>
-          <a:bodyPr rtlCol="0" anchor="ctr"/>
-          <a:lstStyle/>
-          <a:p>
-            <a:pPr algn="ctr"/>
-            <a:endParaRPr lang="en-US"/>
-          </a:p>
-        </p:txBody>
-      </p:sp>
-      <p:cxnSp>
-        <p:nvCxnSpPr>
-          <p:cNvPr id="175" name="Straight Connector 174"/>
-          <p:cNvCxnSpPr>
-            <a:endCxn id="177" idx="0"/>
-          </p:cNvCxnSpPr>
-          <p:nvPr/>
-        </p:nvCxnSpPr>
-        <p:spPr>
-          <a:xfrm flipV="1">
-            <a:off x="877844" y="985947"/>
-            <a:ext cx="6177436" cy="1644035"/>
-          </a:xfrm>
-          <a:prstGeom prst="line">
-            <a:avLst/>
-          </a:prstGeom>
-          <a:ln>
-            <a:solidFill>
-              <a:srgbClr val="02E100"/>
-            </a:solidFill>
-            <a:prstDash val="dash"/>
-            <a:headEnd type="none"/>
-            <a:tailEnd type="arrow"/>
-          </a:ln>
-          <a:effectLst/>
-        </p:spPr>
-        <p:style>
-          <a:lnRef idx="2">
-            <a:schemeClr val="accent1"/>
-          </a:lnRef>
-          <a:fillRef idx="0">
-            <a:schemeClr val="accent1"/>
-          </a:fillRef>
-          <a:effectRef idx="1">
-            <a:schemeClr val="accent1"/>
-          </a:effectRef>
-          <a:fontRef idx="minor">
-            <a:schemeClr val="tx1"/>
-          </a:fontRef>
-        </p:style>
-      </p:cxnSp>
-      <p:cxnSp>
-        <p:nvCxnSpPr>
-          <p:cNvPr id="176" name="Straight Connector 175"/>
-          <p:cNvCxnSpPr>
-            <a:endCxn id="177" idx="4"/>
-          </p:cNvCxnSpPr>
-          <p:nvPr/>
-        </p:nvCxnSpPr>
-        <p:spPr>
-          <a:xfrm flipV="1">
-            <a:off x="881905" y="1717753"/>
-            <a:ext cx="6173375" cy="912227"/>
-          </a:xfrm>
-          <a:prstGeom prst="line">
-            <a:avLst/>
-          </a:prstGeom>
-          <a:ln>
-            <a:solidFill>
-              <a:srgbClr val="02E100"/>
-            </a:solidFill>
-            <a:prstDash val="dash"/>
-            <a:headEnd type="none"/>
-            <a:tailEnd type="arrow"/>
-          </a:ln>
-          <a:effectLst/>
-        </p:spPr>
-        <p:style>
-          <a:lnRef idx="2">
-            <a:schemeClr val="accent1"/>
-          </a:lnRef>
-          <a:fillRef idx="0">
-            <a:schemeClr val="accent1"/>
-          </a:fillRef>
-          <a:effectRef idx="1">
-            <a:schemeClr val="accent1"/>
-          </a:effectRef>
-          <a:fontRef idx="minor">
-            <a:schemeClr val="tx1"/>
-          </a:fontRef>
-        </p:style>
-      </p:cxnSp>
-      <p:sp>
-        <p:nvSpPr>
-          <p:cNvPr id="177" name="Oval 176"/>
-          <p:cNvSpPr>
-            <a:spLocks noChangeAspect="1"/>
-          </p:cNvSpPr>
-          <p:nvPr/>
-        </p:nvSpPr>
-        <p:spPr>
-          <a:xfrm>
-            <a:off x="6863802" y="985947"/>
-            <a:ext cx="382956" cy="731806"/>
-          </a:xfrm>
-          <a:prstGeom prst="ellipse">
-            <a:avLst/>
-          </a:prstGeom>
-          <a:solidFill>
-            <a:srgbClr val="02E100">
-              <a:alpha val="69000"/>
-            </a:srgbClr>
-          </a:solidFill>
-          <a:ln w="28575" cmpd="sng">
-            <a:noFill/>
-            <a:prstDash val="dash"/>
-          </a:ln>
-          <a:effectLst/>
-        </p:spPr>
-        <p:style>
-          <a:lnRef idx="1">
-            <a:schemeClr val="accent1"/>
-          </a:lnRef>
-          <a:fillRef idx="3">
-            <a:schemeClr val="accent1"/>
-          </a:fillRef>
-          <a:effectRef idx="2">
-            <a:schemeClr val="accent1"/>
-          </a:effectRef>
-          <a:fontRef idx="minor">
-            <a:schemeClr val="lt1"/>
-          </a:fontRef>
-        </p:style>
-        <p:txBody>
-          <a:bodyPr rtlCol="0" anchor="ctr"/>
-          <a:lstStyle/>
-          <a:p>
-            <a:pPr algn="ctr"/>
-            <a:endParaRPr lang="en-US"/>
-          </a:p>
-        </p:txBody>
-      </p:sp>
-      <p:sp>
-        <p:nvSpPr>
-          <p:cNvPr id="197" name="TextBox 196"/>
-          <p:cNvSpPr txBox="1"/>
-          <p:nvPr/>
-        </p:nvSpPr>
-        <p:spPr>
-          <a:xfrm>
-            <a:off x="228753" y="3940392"/>
-            <a:ext cx="1147670" cy="507831"/>
-          </a:xfrm>
-          <a:prstGeom prst="rect">
-            <a:avLst/>
-          </a:prstGeom>
-          <a:noFill/>
-        </p:spPr>
-        <p:txBody>
-          <a:bodyPr wrap="none" rtlCol="0">
-            <a:spAutoFit/>
-          </a:bodyPr>
-          <a:lstStyle/>
-          <a:p>
-            <a:pPr algn="ctr"/>
-            <a:r>
-              <a:rPr lang="en-US" sz="2700" dirty="0" smtClean="0"/>
-              <a:t>Source</a:t>
-            </a:r>
-            <a:endParaRPr lang="en-US" sz="2700" dirty="0"/>
-          </a:p>
-        </p:txBody>
-      </p:sp>
-      <p:sp>
-        <p:nvSpPr>
-          <p:cNvPr id="198" name="TextBox 197"/>
-          <p:cNvSpPr txBox="1"/>
-          <p:nvPr/>
-        </p:nvSpPr>
-        <p:spPr>
-          <a:xfrm>
-            <a:off x="3129909" y="3747972"/>
-            <a:ext cx="1604374" cy="1092810"/>
-          </a:xfrm>
-          <a:prstGeom prst="rect">
-            <a:avLst/>
-          </a:prstGeom>
-          <a:noFill/>
-        </p:spPr>
-        <p:txBody>
-          <a:bodyPr wrap="none" rtlCol="0">
-            <a:spAutoFit/>
-          </a:bodyPr>
-          <a:lstStyle/>
-          <a:p>
-            <a:pPr algn="ctr"/>
-            <a:r>
-              <a:rPr lang="en-US" sz="2700" dirty="0"/>
-              <a:t>Finite </a:t>
-            </a:r>
-          </a:p>
-          <a:p>
-            <a:pPr algn="ctr"/>
-            <a:r>
-              <a:rPr lang="en-US" sz="2700" dirty="0"/>
-              <a:t>Aperture</a:t>
-            </a:r>
-          </a:p>
-        </p:txBody>
-      </p:sp>
-      <p:sp>
-        <p:nvSpPr>
-          <p:cNvPr id="199" name="TextBox 198"/>
-          <p:cNvSpPr txBox="1"/>
-          <p:nvPr/>
-        </p:nvSpPr>
-        <p:spPr>
-          <a:xfrm>
-            <a:off x="6148206" y="3747972"/>
-            <a:ext cx="1701407" cy="1092810"/>
-          </a:xfrm>
-          <a:prstGeom prst="rect">
-            <a:avLst/>
-          </a:prstGeom>
-          <a:noFill/>
-        </p:spPr>
-        <p:txBody>
-          <a:bodyPr wrap="none" rtlCol="0">
-            <a:spAutoFit/>
-          </a:bodyPr>
-          <a:lstStyle/>
-          <a:p>
-            <a:pPr algn="ctr"/>
-            <a:r>
-              <a:rPr lang="en-US" sz="2700" dirty="0"/>
-              <a:t>Projected</a:t>
-            </a:r>
-          </a:p>
-          <a:p>
-            <a:pPr algn="ctr"/>
-            <a:r>
-              <a:rPr lang="en-US" sz="2700" dirty="0"/>
-              <a:t>Image</a:t>
-            </a:r>
-          </a:p>
-        </p:txBody>
-      </p:sp>
       <p:pic>
         <p:nvPicPr>
-          <p:cNvPr id="200" name="Picture 199" descr="latex-image-1.pdf"/>
+          <p:cNvPr id="21" name="Picture 20"/>
           <p:cNvPicPr>
             <a:picLocks noChangeAspect="1"/>
           </p:cNvPicPr>
           <p:nvPr/>
         </p:nvPicPr>
         <p:blipFill>
-          <a:blip r:embed="rId2">
-            <a:extLst>
-              <a:ext uri="{28A0092B-C50C-407E-A947-70E740481C1C}">
-                <a14:useLocalDpi xmlns:a14="http://schemas.microsoft.com/office/drawing/2010/main" val="0"/>
-              </a:ext>
-            </a:extLst>
-          </a:blip>
+          <a:blip r:embed="rId6"/>
           <a:stretch>
             <a:fillRect/>
           </a:stretch>
         </p:blipFill>
         <p:spPr>
           <a:xfrm>
-            <a:off x="231174" y="4708456"/>
-            <a:ext cx="1059567" cy="396000"/>
-          </a:xfrm>
-          <a:prstGeom prst="rect">
-            <a:avLst/>
-          </a:prstGeom>
-        </p:spPr>
-      </p:pic>
-      <p:pic>
-        <p:nvPicPr>
-          <p:cNvPr id="201" name="Picture 200" descr="latex-image-1.pdf"/>
-          <p:cNvPicPr>
-            <a:picLocks noChangeAspect="1"/>
-          </p:cNvPicPr>
-          <p:nvPr/>
-        </p:nvPicPr>
-        <p:blipFill>
-          <a:blip r:embed="rId3">
-            <a:extLst>
-              <a:ext uri="{28A0092B-C50C-407E-A947-70E740481C1C}">
-                <a14:useLocalDpi xmlns:a14="http://schemas.microsoft.com/office/drawing/2010/main" val="0"/>
-              </a:ext>
-            </a:extLst>
-          </a:blip>
-          <a:stretch>
-            <a:fillRect/>
-          </a:stretch>
-        </p:blipFill>
-        <p:spPr>
-          <a:xfrm>
-            <a:off x="6506459" y="4708456"/>
-            <a:ext cx="1006055" cy="396000"/>
+            <a:off x="316378" y="4291022"/>
+            <a:ext cx="1041081" cy="385200"/>
           </a:xfrm>
           <a:prstGeom prst="rect">
             <a:avLst/>
